--- a/Summer2019Poster.pptx
+++ b/Summer2019Poster.pptx
@@ -4490,13 +4490,21 @@
         <a:gradFill rotWithShape="1">
           <a:gsLst>
             <a:gs pos="0">
-              <a:srgbClr val="0D0D0D"/>
+              <a:schemeClr val="accent4">
+                <a:lumMod val="65000"/>
+                <a:lumOff val="35000"/>
+              </a:schemeClr>
             </a:gs>
             <a:gs pos="50999">
-              <a:srgbClr val="00863D"/>
+              <a:schemeClr val="accent3">
+                <a:lumMod val="85000"/>
+              </a:schemeClr>
             </a:gs>
             <a:gs pos="100000">
-              <a:srgbClr val="000000"/>
+              <a:schemeClr val="accent4">
+                <a:lumMod val="65000"/>
+                <a:lumOff val="35000"/>
+              </a:schemeClr>
             </a:gs>
           </a:gsLst>
           <a:lin ang="18600000"/>
@@ -4534,7 +4542,7 @@
         </p:nvSpPr>
         <p:spPr bwMode="auto">
           <a:xfrm>
-            <a:off x="932844" y="-636352"/>
+            <a:off x="932844" y="-517981"/>
             <a:ext cx="31014006" cy="4708981"/>
           </a:xfrm>
           <a:prstGeom prst="rect">
@@ -4546,14 +4554,14 @@
           </a:ln>
           <a:extLst>
             <a:ext uri="{909E8E84-426E-40dd-AFC4-6F175D3DCCD1}">
-              <a14:hiddenFill xmlns="" xmlns:a14="http://schemas.microsoft.com/office/drawing/2010/main">
+              <a14:hiddenFill xmlns:a14="http://schemas.microsoft.com/office/drawing/2010/main" xmlns="">
                 <a:solidFill>
                   <a:srgbClr val="FFFFFF"/>
                 </a:solidFill>
               </a14:hiddenFill>
             </a:ext>
             <a:ext uri="{91240B29-F687-4f45-9708-019B960494DF}">
-              <a14:hiddenLine xmlns="" xmlns:a14="http://schemas.microsoft.com/office/drawing/2010/main" w="9525">
+              <a14:hiddenLine xmlns:a14="http://schemas.microsoft.com/office/drawing/2010/main" xmlns="" w="9525">
                 <a:solidFill>
                   <a:srgbClr val="000000"/>
                 </a:solidFill>
@@ -4682,13 +4690,40 @@
             <a:r>
               <a:rPr lang="en-US" sz="12000" b="0" dirty="0">
                 <a:solidFill>
-                  <a:srgbClr val="FFCC00"/>
-                </a:solidFill>
-                <a:latin typeface="+mj-lt"/>
-                <a:cs typeface="Stempel Garamond LT Std"/>
+                  <a:schemeClr val="tx1"/>
+                </a:solidFill>
+                <a:latin typeface="Arial" panose="020B0604020202020204" pitchFamily="34" charset="0"/>
+                <a:cs typeface="Arial" panose="020B0604020202020204" pitchFamily="34" charset="0"/>
               </a:rPr>
-              <a:t>An Improved User Interface and Code-Level Tracing for METAL Algorithm Visualizations</a:t>
-            </a:r>
+              <a:t>Recursion </a:t>
+            </a:r>
+            <a:r>
+              <a:rPr lang="en-US" sz="12000" b="0" dirty="0" smtClean="0">
+                <a:solidFill>
+                  <a:schemeClr val="tx1"/>
+                </a:solidFill>
+                <a:latin typeface="Arial" panose="020B0604020202020204" pitchFamily="34" charset="0"/>
+                <a:cs typeface="Arial" panose="020B0604020202020204" pitchFamily="34" charset="0"/>
+              </a:rPr>
+              <a:t>and Debugger-like Features for </a:t>
+            </a:r>
+            <a:r>
+              <a:rPr lang="en-US" sz="12000" b="0" dirty="0">
+                <a:solidFill>
+                  <a:schemeClr val="tx1"/>
+                </a:solidFill>
+                <a:latin typeface="Arial" panose="020B0604020202020204" pitchFamily="34" charset="0"/>
+                <a:cs typeface="Arial" panose="020B0604020202020204" pitchFamily="34" charset="0"/>
+              </a:rPr>
+              <a:t>METAL Algorithm Visualizations</a:t>
+            </a:r>
+            <a:endParaRPr lang="en-US" sz="12000" b="0" dirty="0">
+              <a:solidFill>
+                <a:schemeClr val="tx1"/>
+              </a:solidFill>
+              <a:latin typeface="Arial" panose="020B0604020202020204" pitchFamily="34" charset="0"/>
+              <a:cs typeface="Arial" panose="020B0604020202020204" pitchFamily="34" charset="0"/>
+            </a:endParaRPr>
           </a:p>
         </p:txBody>
       </p:sp>
@@ -4708,7 +4743,7 @@
         </p:nvSpPr>
         <p:spPr bwMode="auto">
           <a:xfrm>
-            <a:off x="905950" y="3546262"/>
+            <a:off x="1009044" y="3546262"/>
             <a:ext cx="32442756" cy="1208556"/>
           </a:xfrm>
           <a:prstGeom prst="rect">
@@ -4851,176 +4886,23 @@
           </a:lstStyle>
           <a:p>
             <a:r>
+              <a:rPr lang="en-US" altLang="en-US" sz="7200" b="0" dirty="0" smtClean="0">
+                <a:solidFill>
+                  <a:schemeClr val="tx1"/>
+                </a:solidFill>
+                <a:cs typeface="Arial" panose="020B0604020202020204" pitchFamily="34" charset="0"/>
+              </a:rPr>
+              <a:t>Alicca </a:t>
+            </a:r>
+            <a:r>
               <a:rPr lang="en-US" altLang="en-US" sz="7200" b="0" dirty="0">
                 <a:solidFill>
-                  <a:schemeClr val="bg1"/>
-                </a:solidFill>
-                <a:latin typeface="Arial-BoldMT" charset="0"/>
+                  <a:schemeClr val="tx1"/>
+                </a:solidFill>
+                <a:cs typeface="Arial" panose="020B0604020202020204" pitchFamily="34" charset="0"/>
               </a:rPr>
-              <a:t>Alissa Ronca, Tyler Gorman, Zachary Goodsell, James D. Teresco (advisor)</a:t>
-            </a:r>
-          </a:p>
-        </p:txBody>
-      </p:sp>
-      <p:sp>
-        <p:nvSpPr>
-          <p:cNvPr id="15364" name="Text Box 15">
-            <a:extLst>
-              <a:ext uri="{FF2B5EF4-FFF2-40B4-BE49-F238E27FC236}">
-                <a16:creationId xmlns:a16="http://schemas.microsoft.com/office/drawing/2014/main" id="{829FE7FA-CE1E-E34B-8284-EDE0066426E6}"/>
-              </a:ext>
-            </a:extLst>
-          </p:cNvPr>
-          <p:cNvSpPr txBox="1">
-            <a:spLocks noChangeArrowheads="1"/>
-          </p:cNvSpPr>
-          <p:nvPr/>
-        </p:nvSpPr>
-        <p:spPr bwMode="auto">
-          <a:xfrm>
-            <a:off x="-1187450" y="19045238"/>
-            <a:ext cx="201612" cy="931862"/>
-          </a:xfrm>
-          <a:prstGeom prst="rect">
-            <a:avLst/>
-          </a:prstGeom>
-          <a:noFill/>
-          <a:ln>
-            <a:noFill/>
-          </a:ln>
-          <a:extLst>
-            <a:ext uri="{909E8E84-426E-40DD-AFC4-6F175D3DCCD1}">
-              <a14:hiddenFill xmlns:a14="http://schemas.microsoft.com/office/drawing/2010/main">
-                <a:solidFill>
-                  <a:srgbClr val="FFFFFF"/>
-                </a:solidFill>
-              </a14:hiddenFill>
-            </a:ext>
-            <a:ext uri="{91240B29-F687-4F45-9708-019B960494DF}">
-              <a14:hiddenLine xmlns:a14="http://schemas.microsoft.com/office/drawing/2010/main" w="9525">
-                <a:solidFill>
-                  <a:srgbClr val="000000"/>
-                </a:solidFill>
-                <a:miter lim="800000"/>
-                <a:headEnd/>
-                <a:tailEnd/>
-              </a14:hiddenLine>
-            </a:ext>
-          </a:extLst>
-        </p:spPr>
-        <p:txBody>
-          <a:bodyPr wrap="none" lIns="99579" tIns="49794" rIns="99579" bIns="49794">
-            <a:spAutoFit/>
-          </a:bodyPr>
-          <a:lstStyle>
-            <a:lvl1pPr defTabSz="998538" eaLnBrk="0" hangingPunct="0">
-              <a:defRPr sz="4400" b="1">
-                <a:solidFill>
-                  <a:srgbClr val="003399"/>
-                </a:solidFill>
-                <a:latin typeface="Arial" panose="020B0604020202020204" pitchFamily="34" charset="0"/>
-                <a:ea typeface="Geneva" panose="020B0503030404040204" pitchFamily="34" charset="0"/>
-              </a:defRPr>
-            </a:lvl1pPr>
-            <a:lvl2pPr marL="742950" indent="-285750" defTabSz="998538" eaLnBrk="0" hangingPunct="0">
-              <a:defRPr sz="4400" b="1">
-                <a:solidFill>
-                  <a:srgbClr val="003399"/>
-                </a:solidFill>
-                <a:latin typeface="Arial" panose="020B0604020202020204" pitchFamily="34" charset="0"/>
-                <a:ea typeface="Geneva" panose="020B0503030404040204" pitchFamily="34" charset="0"/>
-              </a:defRPr>
-            </a:lvl2pPr>
-            <a:lvl3pPr marL="1143000" indent="-228600" defTabSz="998538" eaLnBrk="0" hangingPunct="0">
-              <a:defRPr sz="4400" b="1">
-                <a:solidFill>
-                  <a:srgbClr val="003399"/>
-                </a:solidFill>
-                <a:latin typeface="Arial" panose="020B0604020202020204" pitchFamily="34" charset="0"/>
-                <a:ea typeface="Geneva" panose="020B0503030404040204" pitchFamily="34" charset="0"/>
-              </a:defRPr>
-            </a:lvl3pPr>
-            <a:lvl4pPr marL="1600200" indent="-228600" defTabSz="998538" eaLnBrk="0" hangingPunct="0">
-              <a:defRPr sz="4400" b="1">
-                <a:solidFill>
-                  <a:srgbClr val="003399"/>
-                </a:solidFill>
-                <a:latin typeface="Arial" panose="020B0604020202020204" pitchFamily="34" charset="0"/>
-                <a:ea typeface="Geneva" panose="020B0503030404040204" pitchFamily="34" charset="0"/>
-              </a:defRPr>
-            </a:lvl4pPr>
-            <a:lvl5pPr marL="2057400" indent="-228600" defTabSz="998538" eaLnBrk="0" hangingPunct="0">
-              <a:defRPr sz="4400" b="1">
-                <a:solidFill>
-                  <a:srgbClr val="003399"/>
-                </a:solidFill>
-                <a:latin typeface="Arial" panose="020B0604020202020204" pitchFamily="34" charset="0"/>
-                <a:ea typeface="Geneva" panose="020B0503030404040204" pitchFamily="34" charset="0"/>
-              </a:defRPr>
-            </a:lvl5pPr>
-            <a:lvl6pPr marL="2514600" indent="-228600" defTabSz="998538" eaLnBrk="0" fontAlgn="base" hangingPunct="0">
-              <a:spcBef>
-                <a:spcPct val="0"/>
-              </a:spcBef>
-              <a:spcAft>
-                <a:spcPct val="0"/>
-              </a:spcAft>
-              <a:defRPr sz="4400" b="1">
-                <a:solidFill>
-                  <a:srgbClr val="003399"/>
-                </a:solidFill>
-                <a:latin typeface="Arial" panose="020B0604020202020204" pitchFamily="34" charset="0"/>
-                <a:ea typeface="Geneva" panose="020B0503030404040204" pitchFamily="34" charset="0"/>
-              </a:defRPr>
-            </a:lvl6pPr>
-            <a:lvl7pPr marL="2971800" indent="-228600" defTabSz="998538" eaLnBrk="0" fontAlgn="base" hangingPunct="0">
-              <a:spcBef>
-                <a:spcPct val="0"/>
-              </a:spcBef>
-              <a:spcAft>
-                <a:spcPct val="0"/>
-              </a:spcAft>
-              <a:defRPr sz="4400" b="1">
-                <a:solidFill>
-                  <a:srgbClr val="003399"/>
-                </a:solidFill>
-                <a:latin typeface="Arial" panose="020B0604020202020204" pitchFamily="34" charset="0"/>
-                <a:ea typeface="Geneva" panose="020B0503030404040204" pitchFamily="34" charset="0"/>
-              </a:defRPr>
-            </a:lvl7pPr>
-            <a:lvl8pPr marL="3429000" indent="-228600" defTabSz="998538" eaLnBrk="0" fontAlgn="base" hangingPunct="0">
-              <a:spcBef>
-                <a:spcPct val="0"/>
-              </a:spcBef>
-              <a:spcAft>
-                <a:spcPct val="0"/>
-              </a:spcAft>
-              <a:defRPr sz="4400" b="1">
-                <a:solidFill>
-                  <a:srgbClr val="003399"/>
-                </a:solidFill>
-                <a:latin typeface="Arial" panose="020B0604020202020204" pitchFamily="34" charset="0"/>
-                <a:ea typeface="Geneva" panose="020B0503030404040204" pitchFamily="34" charset="0"/>
-              </a:defRPr>
-            </a:lvl8pPr>
-            <a:lvl9pPr marL="3886200" indent="-228600" defTabSz="998538" eaLnBrk="0" fontAlgn="base" hangingPunct="0">
-              <a:spcBef>
-                <a:spcPct val="0"/>
-              </a:spcBef>
-              <a:spcAft>
-                <a:spcPct val="0"/>
-              </a:spcAft>
-              <a:defRPr sz="4400" b="1">
-                <a:solidFill>
-                  <a:srgbClr val="003399"/>
-                </a:solidFill>
-                <a:latin typeface="Arial" panose="020B0604020202020204" pitchFamily="34" charset="0"/>
-                <a:ea typeface="Geneva" panose="020B0503030404040204" pitchFamily="34" charset="0"/>
-              </a:defRPr>
-            </a:lvl9pPr>
-          </a:lstStyle>
-          <a:p>
-            <a:endParaRPr lang="en-US" altLang="en-US" sz="5400" dirty="0"/>
+              <a:t>Ronca, Tyler Gorman, Zachary Goodsell, James D. Teresco (advisor)</a:t>
+            </a:r>
           </a:p>
         </p:txBody>
       </p:sp>
@@ -5186,6 +5068,7 @@
               <a:solidFill>
                 <a:schemeClr val="tx1"/>
               </a:solidFill>
+              <a:cs typeface="Arial" panose="020B0604020202020204" pitchFamily="34" charset="0"/>
             </a:endParaRPr>
           </a:p>
           <a:p>
@@ -5193,110 +5076,7 @@
               <a:solidFill>
                 <a:schemeClr val="tx1"/>
               </a:solidFill>
-            </a:endParaRPr>
-          </a:p>
-        </p:txBody>
-      </p:sp>
-      <p:sp>
-        <p:nvSpPr>
-          <p:cNvPr id="3" name="Rounded Rectangle 2">
-            <a:extLst>
-              <a:ext uri="{FF2B5EF4-FFF2-40B4-BE49-F238E27FC236}">
-                <a16:creationId xmlns:a16="http://schemas.microsoft.com/office/drawing/2014/main" id="{40016A16-B281-9C4C-BADE-10113EB3658C}"/>
-              </a:ext>
-            </a:extLst>
-          </p:cNvPr>
-          <p:cNvSpPr/>
-          <p:nvPr/>
-        </p:nvSpPr>
-        <p:spPr bwMode="auto">
-          <a:xfrm>
-            <a:off x="31202661" y="5211279"/>
-            <a:ext cx="11658600" cy="12391547"/>
-          </a:xfrm>
-          <a:prstGeom prst="roundRect">
-            <a:avLst>
-              <a:gd name="adj" fmla="val 5961"/>
-            </a:avLst>
-          </a:prstGeom>
-          <a:gradFill>
-            <a:gsLst>
-              <a:gs pos="0">
-                <a:schemeClr val="bg1">
-                  <a:lumMod val="75000"/>
-                </a:schemeClr>
-              </a:gs>
-              <a:gs pos="40000">
-                <a:schemeClr val="accent3">
-                  <a:shade val="93000"/>
-                  <a:satMod val="130000"/>
-                </a:schemeClr>
-              </a:gs>
-              <a:gs pos="100000">
-                <a:schemeClr val="accent3">
-                  <a:shade val="94000"/>
-                  <a:satMod val="135000"/>
-                </a:schemeClr>
-              </a:gs>
-            </a:gsLst>
-          </a:gradFill>
-          <a:ln w="63500">
-            <a:solidFill>
-              <a:srgbClr val="00863D"/>
-            </a:solidFill>
-            <a:headEnd type="none" w="med" len="med"/>
-            <a:tailEnd type="none" w="med" len="med"/>
-          </a:ln>
-          <a:effectLst>
-            <a:outerShdw blurRad="539750" dist="50800" dir="11100000" sx="101000" sy="101000" algn="tl" rotWithShape="0">
-              <a:srgbClr val="000000">
-                <a:alpha val="35000"/>
-              </a:srgbClr>
-            </a:outerShdw>
-          </a:effectLst>
-          <a:scene3d>
-            <a:camera prst="orthographicFront">
-              <a:rot lat="0" lon="0" rev="0"/>
-            </a:camera>
-            <a:lightRig rig="threePt" dir="t">
-              <a:rot lat="0" lon="0" rev="1200000"/>
-            </a:lightRig>
-          </a:scene3d>
-          <a:sp3d>
-            <a:bevelT h="25400"/>
-          </a:sp3d>
-        </p:spPr>
-        <p:style>
-          <a:lnRef idx="0">
-            <a:schemeClr val="accent3"/>
-          </a:lnRef>
-          <a:fillRef idx="3">
-            <a:schemeClr val="accent3"/>
-          </a:fillRef>
-          <a:effectRef idx="3">
-            <a:schemeClr val="accent3"/>
-          </a:effectRef>
-          <a:fontRef idx="minor">
-            <a:schemeClr val="lt1"/>
-          </a:fontRef>
-        </p:style>
-        <p:txBody>
-          <a:bodyPr/>
-          <a:lstStyle/>
-          <a:p>
-            <a:pPr defTabSz="908050" eaLnBrk="0" hangingPunct="0">
-              <a:defRPr/>
-            </a:pPr>
-            <a:endParaRPr lang="en-US" sz="4000" dirty="0">
-              <a:ln>
-                <a:solidFill>
-                  <a:srgbClr val="FFCC00"/>
-                </a:solidFill>
-              </a:ln>
-              <a:solidFill>
-                <a:srgbClr val="003399"/>
-              </a:solidFill>
-              <a:latin typeface="Arial" charset="0"/>
+              <a:cs typeface="Arial" panose="020B0604020202020204" pitchFamily="34" charset="0"/>
             </a:endParaRPr>
           </a:p>
         </p:txBody>
@@ -5315,8 +5095,8 @@
         </p:nvSpPr>
         <p:spPr bwMode="auto">
           <a:xfrm>
-            <a:off x="13566672" y="5025657"/>
-            <a:ext cx="16687800" cy="26822400"/>
+            <a:off x="806020" y="5025657"/>
+            <a:ext cx="42152336" cy="26822400"/>
           </a:xfrm>
           <a:prstGeom prst="roundRect">
             <a:avLst>
@@ -5346,7 +5126,7 @@
           </a:gradFill>
           <a:ln w="63500">
             <a:solidFill>
-              <a:srgbClr val="00863D"/>
+              <a:srgbClr val="FFCC00"/>
             </a:solidFill>
             <a:headEnd type="none" w="med" len="med"/>
             <a:tailEnd type="none" w="med" len="med"/>
@@ -5400,215 +5180,8 @@
               <a:solidFill>
                 <a:srgbClr val="003399"/>
               </a:solidFill>
-              <a:latin typeface="Arial" charset="0"/>
-            </a:endParaRPr>
-          </a:p>
-        </p:txBody>
-      </p:sp>
-      <p:sp>
-        <p:nvSpPr>
-          <p:cNvPr id="31" name="Rounded Rectangle 30">
-            <a:extLst>
-              <a:ext uri="{FF2B5EF4-FFF2-40B4-BE49-F238E27FC236}">
-                <a16:creationId xmlns:a16="http://schemas.microsoft.com/office/drawing/2014/main" id="{99261401-FCC8-0D4D-9701-0B67A742F7E8}"/>
-              </a:ext>
-            </a:extLst>
-          </p:cNvPr>
-          <p:cNvSpPr/>
-          <p:nvPr/>
-        </p:nvSpPr>
-        <p:spPr bwMode="auto">
-          <a:xfrm>
-            <a:off x="959883" y="5025657"/>
-            <a:ext cx="11658600" cy="26822400"/>
-          </a:xfrm>
-          <a:prstGeom prst="roundRect">
-            <a:avLst>
-              <a:gd name="adj" fmla="val 3347"/>
-            </a:avLst>
-          </a:prstGeom>
-          <a:gradFill>
-            <a:gsLst>
-              <a:gs pos="0">
-                <a:schemeClr val="bg1">
-                  <a:lumMod val="75000"/>
-                </a:schemeClr>
-              </a:gs>
-              <a:gs pos="40000">
-                <a:schemeClr val="accent3">
-                  <a:shade val="93000"/>
-                  <a:satMod val="130000"/>
-                </a:schemeClr>
-              </a:gs>
-              <a:gs pos="100000">
-                <a:schemeClr val="accent3">
-                  <a:shade val="94000"/>
-                  <a:satMod val="135000"/>
-                </a:schemeClr>
-              </a:gs>
-            </a:gsLst>
-          </a:gradFill>
-          <a:ln w="63500">
-            <a:solidFill>
-              <a:srgbClr val="00863D"/>
-            </a:solidFill>
-            <a:headEnd type="none" w="med" len="med"/>
-            <a:tailEnd type="none" w="med" len="med"/>
-          </a:ln>
-          <a:effectLst>
-            <a:outerShdw blurRad="539750" dist="50800" dir="11100000" sx="101000" sy="101000" algn="tl" rotWithShape="0">
-              <a:srgbClr val="000000">
-                <a:alpha val="35000"/>
-              </a:srgbClr>
-            </a:outerShdw>
-          </a:effectLst>
-          <a:scene3d>
-            <a:camera prst="orthographicFront">
-              <a:rot lat="0" lon="0" rev="0"/>
-            </a:camera>
-            <a:lightRig rig="threePt" dir="t">
-              <a:rot lat="0" lon="0" rev="1200000"/>
-            </a:lightRig>
-          </a:scene3d>
-          <a:sp3d>
-            <a:bevelT h="25400"/>
-          </a:sp3d>
-        </p:spPr>
-        <p:style>
-          <a:lnRef idx="0">
-            <a:schemeClr val="accent3"/>
-          </a:lnRef>
-          <a:fillRef idx="3">
-            <a:schemeClr val="accent3"/>
-          </a:fillRef>
-          <a:effectRef idx="3">
-            <a:schemeClr val="accent3"/>
-          </a:effectRef>
-          <a:fontRef idx="minor">
-            <a:schemeClr val="lt1"/>
-          </a:fontRef>
-        </p:style>
-        <p:txBody>
-          <a:bodyPr/>
-          <a:lstStyle/>
-          <a:p>
-            <a:pPr defTabSz="908050" eaLnBrk="0" hangingPunct="0">
-              <a:defRPr/>
-            </a:pPr>
-            <a:endParaRPr lang="en-US" sz="4000" dirty="0">
-              <a:ln>
-                <a:solidFill>
-                  <a:srgbClr val="FFCC00"/>
-                </a:solidFill>
-              </a:ln>
-              <a:solidFill>
-                <a:srgbClr val="003399"/>
-              </a:solidFill>
-              <a:latin typeface="Arial" charset="0"/>
-            </a:endParaRPr>
-          </a:p>
-        </p:txBody>
-      </p:sp>
-      <p:sp>
-        <p:nvSpPr>
-          <p:cNvPr id="32" name="Rounded Rectangle 31">
-            <a:extLst>
-              <a:ext uri="{FF2B5EF4-FFF2-40B4-BE49-F238E27FC236}">
-                <a16:creationId xmlns:a16="http://schemas.microsoft.com/office/drawing/2014/main" id="{2B44CE5E-BABF-EF4E-AE95-4641F5E64DEC}"/>
-              </a:ext>
-            </a:extLst>
-          </p:cNvPr>
-          <p:cNvSpPr/>
-          <p:nvPr/>
-        </p:nvSpPr>
-        <p:spPr bwMode="auto">
-          <a:xfrm>
-            <a:off x="31210159" y="18059288"/>
-            <a:ext cx="11658600" cy="13793942"/>
-          </a:xfrm>
-          <a:prstGeom prst="roundRect">
-            <a:avLst>
-              <a:gd name="adj" fmla="val 3347"/>
-            </a:avLst>
-          </a:prstGeom>
-          <a:gradFill>
-            <a:gsLst>
-              <a:gs pos="0">
-                <a:schemeClr val="bg1">
-                  <a:lumMod val="75000"/>
-                </a:schemeClr>
-              </a:gs>
-              <a:gs pos="40000">
-                <a:schemeClr val="accent3">
-                  <a:shade val="93000"/>
-                  <a:satMod val="130000"/>
-                </a:schemeClr>
-              </a:gs>
-              <a:gs pos="100000">
-                <a:schemeClr val="accent3">
-                  <a:shade val="94000"/>
-                  <a:satMod val="135000"/>
-                </a:schemeClr>
-              </a:gs>
-            </a:gsLst>
-          </a:gradFill>
-          <a:ln w="63500">
-            <a:solidFill>
-              <a:srgbClr val="00863D"/>
-            </a:solidFill>
-            <a:headEnd type="none" w="med" len="med"/>
-            <a:tailEnd type="none" w="med" len="med"/>
-          </a:ln>
-          <a:effectLst>
-            <a:outerShdw blurRad="539750" dist="50800" dir="11100000" sx="101000" sy="101000" algn="tl" rotWithShape="0">
-              <a:srgbClr val="000000">
-                <a:alpha val="35000"/>
-              </a:srgbClr>
-            </a:outerShdw>
-          </a:effectLst>
-          <a:scene3d>
-            <a:camera prst="orthographicFront">
-              <a:rot lat="0" lon="0" rev="0"/>
-            </a:camera>
-            <a:lightRig rig="threePt" dir="t">
-              <a:rot lat="0" lon="0" rev="1200000"/>
-            </a:lightRig>
-          </a:scene3d>
-          <a:sp3d>
-            <a:bevelT h="25400"/>
-          </a:sp3d>
-        </p:spPr>
-        <p:style>
-          <a:lnRef idx="0">
-            <a:schemeClr val="accent3"/>
-          </a:lnRef>
-          <a:fillRef idx="3">
-            <a:schemeClr val="accent3"/>
-          </a:fillRef>
-          <a:effectRef idx="3">
-            <a:schemeClr val="accent3"/>
-          </a:effectRef>
-          <a:fontRef idx="minor">
-            <a:schemeClr val="lt1"/>
-          </a:fontRef>
-        </p:style>
-        <p:txBody>
-          <a:bodyPr/>
-          <a:lstStyle/>
-          <a:p>
-            <a:pPr defTabSz="908050" eaLnBrk="0" hangingPunct="0">
-              <a:defRPr/>
-            </a:pPr>
-            <a:endParaRPr lang="en-US" sz="4000" dirty="0">
-              <a:ln>
-                <a:solidFill>
-                  <a:srgbClr val="FFCC00"/>
-                </a:solidFill>
-              </a:ln>
-              <a:solidFill>
-                <a:srgbClr val="003399"/>
-              </a:solidFill>
-              <a:latin typeface="Arial" charset="0"/>
+              <a:latin typeface="Arial" panose="020B0604020202020204" pitchFamily="34" charset="0"/>
+              <a:cs typeface="Arial" panose="020B0604020202020204" pitchFamily="34" charset="0"/>
             </a:endParaRPr>
           </a:p>
         </p:txBody>
@@ -5629,8 +5202,8 @@
         </p:nvSpPr>
         <p:spPr bwMode="auto">
           <a:xfrm>
-            <a:off x="31737521" y="19350479"/>
-            <a:ext cx="10508227" cy="3583929"/>
+            <a:off x="30384971" y="20720948"/>
+            <a:ext cx="12273655" cy="2647811"/>
           </a:xfrm>
           <a:prstGeom prst="roundRect">
             <a:avLst>
@@ -5672,8 +5245,8 @@
               <a:solidFill>
                 <a:srgbClr val="00863D"/>
               </a:solidFill>
-              <a:latin typeface="Arial" charset="0"/>
               <a:ea typeface="Geneva" charset="0"/>
+              <a:cs typeface="Arial" panose="020B0604020202020204" pitchFamily="34" charset="0"/>
             </a:endParaRPr>
           </a:p>
         </p:txBody>
@@ -5694,8 +5267,8 @@
         </p:nvSpPr>
         <p:spPr bwMode="auto">
           <a:xfrm>
-            <a:off x="31747252" y="24230615"/>
-            <a:ext cx="10555175" cy="7190261"/>
+            <a:off x="30384970" y="24458068"/>
+            <a:ext cx="12273655" cy="6937217"/>
           </a:xfrm>
           <a:prstGeom prst="roundRect">
             <a:avLst>
@@ -5737,12 +5310,47 @@
               <a:solidFill>
                 <a:srgbClr val="00863D"/>
               </a:solidFill>
-              <a:latin typeface="Arial" charset="0"/>
               <a:ea typeface="Geneva" charset="0"/>
+              <a:cs typeface="Arial" panose="020B0604020202020204" pitchFamily="34" charset="0"/>
             </a:endParaRPr>
           </a:p>
         </p:txBody>
       </p:sp>
+      <p:pic>
+        <p:nvPicPr>
+          <p:cNvPr id="9" name="Picture 8">
+            <a:extLst>
+              <a:ext uri="{FF2B5EF4-FFF2-40B4-BE49-F238E27FC236}">
+                <a16:creationId xmlns:a16="http://schemas.microsoft.com/office/drawing/2014/main" id="{100DF0AB-40F8-4B92-851A-CE49068A0E1A}"/>
+              </a:ext>
+            </a:extLst>
+          </p:cNvPr>
+          <p:cNvPicPr>
+            <a:picLocks noChangeAspect="1"/>
+          </p:cNvPicPr>
+          <p:nvPr/>
+        </p:nvPicPr>
+        <p:blipFill rotWithShape="1">
+          <a:blip r:embed="rId2" cstate="hqprint">
+            <a:extLst>
+              <a:ext uri="{28A0092B-C50C-407E-A947-70E740481C1C}">
+                <a14:useLocalDpi xmlns:a14="http://schemas.microsoft.com/office/drawing/2010/main" val="0"/>
+              </a:ext>
+            </a:extLst>
+          </a:blip>
+          <a:srcRect l="13762" r="13348" b="13852"/>
+          <a:stretch/>
+        </p:blipFill>
+        <p:spPr>
+          <a:xfrm>
+            <a:off x="38834963" y="28217850"/>
+            <a:ext cx="3832929" cy="2665305"/>
+          </a:xfrm>
+          <a:prstGeom prst="rect">
+            <a:avLst/>
+          </a:prstGeom>
+        </p:spPr>
+      </p:pic>
       <p:sp>
         <p:nvSpPr>
           <p:cNvPr id="15384" name="TextBox 8">
@@ -5906,13 +5514,14 @@
                 <a:solidFill>
                   <a:srgbClr val="00863D"/>
                 </a:solidFill>
+                <a:cs typeface="Arial" panose="020B0604020202020204" pitchFamily="34" charset="0"/>
               </a:rPr>
               <a:t>Introduction</a:t>
             </a:r>
           </a:p>
           <a:p>
             <a:r>
-              <a:rPr lang="en-US" altLang="en-US" sz="3600" i="1" dirty="0">
+              <a:rPr lang="en-US" altLang="en-US" sz="3600" dirty="0">
                 <a:solidFill>
                   <a:srgbClr val="000000"/>
                 </a:solidFill>
@@ -5939,8 +5548,8 @@
         </p:nvSpPr>
         <p:spPr bwMode="auto">
           <a:xfrm>
-            <a:off x="14047924" y="7025068"/>
-            <a:ext cx="15725296" cy="2184215"/>
+            <a:off x="13017245" y="6778551"/>
+            <a:ext cx="28892755" cy="12723783"/>
           </a:xfrm>
           <a:prstGeom prst="roundRect">
             <a:avLst>
@@ -5982,8 +5591,8 @@
               <a:solidFill>
                 <a:srgbClr val="00863D"/>
               </a:solidFill>
-              <a:latin typeface="Arial" charset="0"/>
               <a:ea typeface="Geneva" charset="0"/>
+              <a:cs typeface="Arial" panose="020B0604020202020204" pitchFamily="34" charset="0"/>
             </a:endParaRPr>
           </a:p>
         </p:txBody>
@@ -6047,8 +5656,8 @@
               <a:solidFill>
                 <a:srgbClr val="00863D"/>
               </a:solidFill>
-              <a:latin typeface="Arial" charset="0"/>
               <a:ea typeface="Geneva" charset="0"/>
+              <a:cs typeface="Arial" panose="020B0604020202020204" pitchFamily="34" charset="0"/>
             </a:endParaRPr>
           </a:p>
           <a:p>
@@ -6059,8 +5668,8 @@
               <a:solidFill>
                 <a:srgbClr val="00863D"/>
               </a:solidFill>
-              <a:latin typeface="Arial" charset="0"/>
               <a:ea typeface="Geneva" charset="0"/>
+              <a:cs typeface="Arial" panose="020B0604020202020204" pitchFamily="34" charset="0"/>
             </a:endParaRPr>
           </a:p>
           <a:p>
@@ -6071,8 +5680,8 @@
               <a:solidFill>
                 <a:srgbClr val="00863D"/>
               </a:solidFill>
-              <a:latin typeface="Arial" charset="0"/>
               <a:ea typeface="Geneva" charset="0"/>
+              <a:cs typeface="Arial" panose="020B0604020202020204" pitchFamily="34" charset="0"/>
             </a:endParaRPr>
           </a:p>
         </p:txBody>
@@ -6093,7 +5702,7 @@
         </p:nvSpPr>
         <p:spPr bwMode="auto">
           <a:xfrm>
-            <a:off x="14000421" y="5393852"/>
+            <a:off x="13017245" y="5646232"/>
             <a:ext cx="15202785" cy="830997"/>
           </a:xfrm>
           <a:prstGeom prst="rect">
@@ -6236,13 +5845,29 @@
           </a:lstStyle>
           <a:p>
             <a:r>
+              <a:rPr lang="en-US" altLang="en-US" sz="4800" dirty="0" smtClean="0">
+                <a:solidFill>
+                  <a:srgbClr val="00863D"/>
+                </a:solidFill>
+                <a:cs typeface="Arial" panose="020B0604020202020204" pitchFamily="34" charset="0"/>
+              </a:rPr>
+              <a:t>Debugger-like </a:t>
+            </a:r>
+            <a:r>
               <a:rPr lang="en-US" altLang="en-US" sz="4800" dirty="0">
                 <a:solidFill>
                   <a:srgbClr val="00863D"/>
                 </a:solidFill>
+                <a:cs typeface="Arial" panose="020B0604020202020204" pitchFamily="34" charset="0"/>
               </a:rPr>
-              <a:t>Change #2</a:t>
-            </a:r>
+              <a:t>Features</a:t>
+            </a:r>
+            <a:endParaRPr lang="en-US" altLang="en-US" sz="4800" dirty="0">
+              <a:solidFill>
+                <a:srgbClr val="00863D"/>
+              </a:solidFill>
+              <a:cs typeface="Arial" panose="020B0604020202020204" pitchFamily="34" charset="0"/>
+            </a:endParaRPr>
           </a:p>
         </p:txBody>
       </p:sp>
@@ -6409,13 +6034,14 @@
                 <a:solidFill>
                   <a:srgbClr val="00863D"/>
                 </a:solidFill>
+                <a:cs typeface="Arial" panose="020B0604020202020204" pitchFamily="34" charset="0"/>
               </a:rPr>
               <a:t>Summer 2019</a:t>
             </a:r>
           </a:p>
           <a:p>
             <a:r>
-              <a:rPr lang="en-US" altLang="en-US" sz="3600" i="1" dirty="0">
+              <a:rPr lang="en-US" altLang="en-US" sz="3600" dirty="0">
                 <a:solidFill>
                   <a:srgbClr val="000000"/>
                 </a:solidFill>
@@ -6423,184 +6049,6 @@
               </a:rPr>
               <a:t>Improvements to the project</a:t>
             </a:r>
-          </a:p>
-        </p:txBody>
-      </p:sp>
-      <p:sp>
-        <p:nvSpPr>
-          <p:cNvPr id="15399" name="TextBox 8">
-            <a:extLst>
-              <a:ext uri="{FF2B5EF4-FFF2-40B4-BE49-F238E27FC236}">
-                <a16:creationId xmlns:a16="http://schemas.microsoft.com/office/drawing/2014/main" id="{91B29CB6-C6C4-E54D-9991-E7D0BD1B7EE6}"/>
-              </a:ext>
-            </a:extLst>
-          </p:cNvPr>
-          <p:cNvSpPr txBox="1">
-            <a:spLocks noChangeArrowheads="1"/>
-          </p:cNvSpPr>
-          <p:nvPr/>
-        </p:nvSpPr>
-        <p:spPr bwMode="auto">
-          <a:xfrm>
-            <a:off x="31547021" y="5365165"/>
-            <a:ext cx="10591800" cy="1384995"/>
-          </a:xfrm>
-          <a:prstGeom prst="rect">
-            <a:avLst/>
-          </a:prstGeom>
-          <a:noFill/>
-          <a:ln>
-            <a:noFill/>
-          </a:ln>
-          <a:extLst>
-            <a:ext uri="{909E8E84-426E-40DD-AFC4-6F175D3DCCD1}">
-              <a14:hiddenFill xmlns:a14="http://schemas.microsoft.com/office/drawing/2010/main">
-                <a:solidFill>
-                  <a:srgbClr val="FFFFFF"/>
-                </a:solidFill>
-              </a14:hiddenFill>
-            </a:ext>
-            <a:ext uri="{91240B29-F687-4F45-9708-019B960494DF}">
-              <a14:hiddenLine xmlns:a14="http://schemas.microsoft.com/office/drawing/2010/main" w="9525">
-                <a:solidFill>
-                  <a:srgbClr val="000000"/>
-                </a:solidFill>
-                <a:miter lim="800000"/>
-                <a:headEnd/>
-                <a:tailEnd/>
-              </a14:hiddenLine>
-            </a:ext>
-          </a:extLst>
-        </p:spPr>
-        <p:txBody>
-          <a:bodyPr>
-            <a:spAutoFit/>
-          </a:bodyPr>
-          <a:lstStyle>
-            <a:lvl1pPr eaLnBrk="0" hangingPunct="0">
-              <a:defRPr sz="4400" b="1">
-                <a:solidFill>
-                  <a:srgbClr val="003399"/>
-                </a:solidFill>
-                <a:latin typeface="Arial" panose="020B0604020202020204" pitchFamily="34" charset="0"/>
-                <a:ea typeface="Geneva" panose="020B0503030404040204" pitchFamily="34" charset="0"/>
-              </a:defRPr>
-            </a:lvl1pPr>
-            <a:lvl2pPr marL="742950" indent="-285750" eaLnBrk="0" hangingPunct="0">
-              <a:defRPr sz="4400" b="1">
-                <a:solidFill>
-                  <a:srgbClr val="003399"/>
-                </a:solidFill>
-                <a:latin typeface="Arial" panose="020B0604020202020204" pitchFamily="34" charset="0"/>
-                <a:ea typeface="Geneva" panose="020B0503030404040204" pitchFamily="34" charset="0"/>
-              </a:defRPr>
-            </a:lvl2pPr>
-            <a:lvl3pPr marL="1143000" indent="-228600" eaLnBrk="0" hangingPunct="0">
-              <a:defRPr sz="4400" b="1">
-                <a:solidFill>
-                  <a:srgbClr val="003399"/>
-                </a:solidFill>
-                <a:latin typeface="Arial" panose="020B0604020202020204" pitchFamily="34" charset="0"/>
-                <a:ea typeface="Geneva" panose="020B0503030404040204" pitchFamily="34" charset="0"/>
-              </a:defRPr>
-            </a:lvl3pPr>
-            <a:lvl4pPr marL="1600200" indent="-228600" eaLnBrk="0" hangingPunct="0">
-              <a:defRPr sz="4400" b="1">
-                <a:solidFill>
-                  <a:srgbClr val="003399"/>
-                </a:solidFill>
-                <a:latin typeface="Arial" panose="020B0604020202020204" pitchFamily="34" charset="0"/>
-                <a:ea typeface="Geneva" panose="020B0503030404040204" pitchFamily="34" charset="0"/>
-              </a:defRPr>
-            </a:lvl4pPr>
-            <a:lvl5pPr marL="2057400" indent="-228600" eaLnBrk="0" hangingPunct="0">
-              <a:defRPr sz="4400" b="1">
-                <a:solidFill>
-                  <a:srgbClr val="003399"/>
-                </a:solidFill>
-                <a:latin typeface="Arial" panose="020B0604020202020204" pitchFamily="34" charset="0"/>
-                <a:ea typeface="Geneva" panose="020B0503030404040204" pitchFamily="34" charset="0"/>
-              </a:defRPr>
-            </a:lvl5pPr>
-            <a:lvl6pPr marL="2514600" indent="-228600" eaLnBrk="0" fontAlgn="base" hangingPunct="0">
-              <a:spcBef>
-                <a:spcPct val="0"/>
-              </a:spcBef>
-              <a:spcAft>
-                <a:spcPct val="0"/>
-              </a:spcAft>
-              <a:defRPr sz="4400" b="1">
-                <a:solidFill>
-                  <a:srgbClr val="003399"/>
-                </a:solidFill>
-                <a:latin typeface="Arial" panose="020B0604020202020204" pitchFamily="34" charset="0"/>
-                <a:ea typeface="Geneva" panose="020B0503030404040204" pitchFamily="34" charset="0"/>
-              </a:defRPr>
-            </a:lvl6pPr>
-            <a:lvl7pPr marL="2971800" indent="-228600" eaLnBrk="0" fontAlgn="base" hangingPunct="0">
-              <a:spcBef>
-                <a:spcPct val="0"/>
-              </a:spcBef>
-              <a:spcAft>
-                <a:spcPct val="0"/>
-              </a:spcAft>
-              <a:defRPr sz="4400" b="1">
-                <a:solidFill>
-                  <a:srgbClr val="003399"/>
-                </a:solidFill>
-                <a:latin typeface="Arial" panose="020B0604020202020204" pitchFamily="34" charset="0"/>
-                <a:ea typeface="Geneva" panose="020B0503030404040204" pitchFamily="34" charset="0"/>
-              </a:defRPr>
-            </a:lvl7pPr>
-            <a:lvl8pPr marL="3429000" indent="-228600" eaLnBrk="0" fontAlgn="base" hangingPunct="0">
-              <a:spcBef>
-                <a:spcPct val="0"/>
-              </a:spcBef>
-              <a:spcAft>
-                <a:spcPct val="0"/>
-              </a:spcAft>
-              <a:defRPr sz="4400" b="1">
-                <a:solidFill>
-                  <a:srgbClr val="003399"/>
-                </a:solidFill>
-                <a:latin typeface="Arial" panose="020B0604020202020204" pitchFamily="34" charset="0"/>
-                <a:ea typeface="Geneva" panose="020B0503030404040204" pitchFamily="34" charset="0"/>
-              </a:defRPr>
-            </a:lvl8pPr>
-            <a:lvl9pPr marL="3886200" indent="-228600" eaLnBrk="0" fontAlgn="base" hangingPunct="0">
-              <a:spcBef>
-                <a:spcPct val="0"/>
-              </a:spcBef>
-              <a:spcAft>
-                <a:spcPct val="0"/>
-              </a:spcAft>
-              <a:defRPr sz="4400" b="1">
-                <a:solidFill>
-                  <a:srgbClr val="003399"/>
-                </a:solidFill>
-                <a:latin typeface="Arial" panose="020B0604020202020204" pitchFamily="34" charset="0"/>
-                <a:ea typeface="Geneva" panose="020B0503030404040204" pitchFamily="34" charset="0"/>
-              </a:defRPr>
-            </a:lvl9pPr>
-          </a:lstStyle>
-          <a:p>
-            <a:r>
-              <a:rPr lang="en-US" altLang="en-US" sz="4800" dirty="0">
-                <a:solidFill>
-                  <a:srgbClr val="00863D"/>
-                </a:solidFill>
-              </a:rPr>
-              <a:t>Change #3</a:t>
-            </a:r>
-          </a:p>
-          <a:p>
-            <a:pPr eaLnBrk="1" hangingPunct="1"/>
-            <a:endParaRPr lang="en-US" altLang="en-US" sz="3600" i="1" dirty="0">
-              <a:solidFill>
-                <a:srgbClr val="000000"/>
-              </a:solidFill>
-              <a:cs typeface="Arial" panose="020B0604020202020204" pitchFamily="34" charset="0"/>
-            </a:endParaRPr>
           </a:p>
         </p:txBody>
       </p:sp>
@@ -6620,7 +6068,7 @@
         </p:nvSpPr>
         <p:spPr bwMode="auto">
           <a:xfrm>
-            <a:off x="31803445" y="18434524"/>
+            <a:off x="30648352" y="19803656"/>
             <a:ext cx="10591800" cy="830262"/>
           </a:xfrm>
           <a:prstGeom prst="rect">
@@ -6767,6 +6215,7 @@
                 <a:solidFill>
                   <a:srgbClr val="00863D"/>
                 </a:solidFill>
+                <a:cs typeface="Arial" panose="020B0604020202020204" pitchFamily="34" charset="0"/>
               </a:rPr>
               <a:t>Future Work</a:t>
             </a:r>
@@ -6788,7 +6237,7 @@
           <p:nvPr/>
         </p:nvPicPr>
         <p:blipFill>
-          <a:blip r:embed="rId2">
+          <a:blip r:embed="rId3">
             <a:extLst>
               <a:ext uri="{28A0092B-C50C-407E-A947-70E740481C1C}">
                 <a14:useLocalDpi xmlns:a14="http://schemas.microsoft.com/office/drawing/2010/main" val="0"/>
@@ -6825,8 +6274,8 @@
         </p:nvSpPr>
         <p:spPr bwMode="auto">
           <a:xfrm>
-            <a:off x="1710983" y="6778551"/>
-            <a:ext cx="10210799" cy="7294305"/>
+            <a:off x="1582470" y="7154419"/>
+            <a:ext cx="10210799" cy="7276544"/>
           </a:xfrm>
           <a:prstGeom prst="rect">
             <a:avLst/>
@@ -6967,27 +6416,162 @@
             </a:lvl9pPr>
           </a:lstStyle>
           <a:p>
-            <a:pPr eaLnBrk="1" hangingPunct="1"/>
-            <a:endParaRPr lang="en-US" altLang="en-US" sz="3600" b="0" dirty="0">
+            <a:pPr marL="457200" indent="-457200" eaLnBrk="1" hangingPunct="1">
+              <a:lnSpc>
+                <a:spcPts val="4700"/>
+              </a:lnSpc>
+              <a:buFont typeface="Arial" panose="020B0604020202020204" pitchFamily="34" charset="0"/>
+              <a:buChar char="•"/>
+            </a:pPr>
+            <a:r>
+              <a:rPr lang="en-US" altLang="en-US" sz="3500" b="0" dirty="0">
+                <a:solidFill>
+                  <a:srgbClr val="000000"/>
+                </a:solidFill>
+                <a:cs typeface="Arial" panose="020B0604020202020204" pitchFamily="34" charset="0"/>
+              </a:rPr>
+              <a:t>Map-based Educational Tools for Algorithm Learning (METAL) is an ongoing project that aims to help students learn algorithms more efficiently with Algorithm </a:t>
+            </a:r>
+            <a:r>
+              <a:rPr lang="en-US" altLang="en-US" sz="3500" b="0" dirty="0" smtClean="0">
+                <a:solidFill>
+                  <a:srgbClr val="000000"/>
+                </a:solidFill>
+                <a:cs typeface="Arial" panose="020B0604020202020204" pitchFamily="34" charset="0"/>
+              </a:rPr>
+              <a:t>Visualization </a:t>
+            </a:r>
+            <a:r>
+              <a:rPr lang="en-US" altLang="en-US" sz="3500" b="0" dirty="0">
+                <a:solidFill>
+                  <a:srgbClr val="000000"/>
+                </a:solidFill>
+                <a:cs typeface="Arial" panose="020B0604020202020204" pitchFamily="34" charset="0"/>
+              </a:rPr>
+              <a:t>(AV</a:t>
+            </a:r>
+            <a:r>
+              <a:rPr lang="en-US" altLang="en-US" sz="3500" b="0" dirty="0" smtClean="0">
+                <a:solidFill>
+                  <a:srgbClr val="000000"/>
+                </a:solidFill>
+                <a:cs typeface="Arial" panose="020B0604020202020204" pitchFamily="34" charset="0"/>
+              </a:rPr>
+              <a:t>)</a:t>
+            </a:r>
+          </a:p>
+          <a:p>
+            <a:pPr marL="457200" indent="-457200" eaLnBrk="1" hangingPunct="1">
+              <a:lnSpc>
+                <a:spcPts val="4700"/>
+              </a:lnSpc>
+              <a:buFont typeface="Arial" panose="020B0604020202020204" pitchFamily="34" charset="0"/>
+              <a:buChar char="•"/>
+            </a:pPr>
+            <a:r>
+              <a:rPr lang="en-US" altLang="en-US" sz="3500" b="0" dirty="0" smtClean="0">
+                <a:solidFill>
+                  <a:srgbClr val="000000"/>
+                </a:solidFill>
+                <a:cs typeface="Arial" panose="020B0604020202020204" pitchFamily="34" charset="0"/>
+              </a:rPr>
+              <a:t>This </a:t>
+            </a:r>
+            <a:r>
+              <a:rPr lang="en-US" altLang="en-US" sz="3500" b="0" dirty="0">
+                <a:solidFill>
+                  <a:srgbClr val="000000"/>
+                </a:solidFill>
+                <a:cs typeface="Arial" panose="020B0604020202020204" pitchFamily="34" charset="0"/>
+              </a:rPr>
+              <a:t>AV system allows a student to </a:t>
+            </a:r>
+            <a:r>
+              <a:rPr lang="en-US" altLang="en-US" sz="3500" b="0" dirty="0" smtClean="0">
+                <a:solidFill>
+                  <a:srgbClr val="000000"/>
+                </a:solidFill>
+                <a:cs typeface="Arial" panose="020B0604020202020204" pitchFamily="34" charset="0"/>
+              </a:rPr>
+              <a:t>interact with </a:t>
+            </a:r>
+            <a:r>
+              <a:rPr lang="en-US" altLang="en-US" sz="3500" b="0" dirty="0">
+                <a:solidFill>
+                  <a:srgbClr val="000000"/>
+                </a:solidFill>
+                <a:cs typeface="Arial" panose="020B0604020202020204" pitchFamily="34" charset="0"/>
+              </a:rPr>
+              <a:t>one of several algorithms in action on highway data, following changes in key variables and data structures with corresponding </a:t>
+            </a:r>
+            <a:r>
+              <a:rPr lang="en-US" altLang="en-US" sz="3500" b="0" dirty="0" smtClean="0">
+                <a:solidFill>
+                  <a:srgbClr val="000000"/>
+                </a:solidFill>
+                <a:cs typeface="Arial" panose="020B0604020202020204" pitchFamily="34" charset="0"/>
+              </a:rPr>
+              <a:t>color-coded </a:t>
+            </a:r>
+            <a:r>
+              <a:rPr lang="en-US" altLang="en-US" sz="3500" b="0" dirty="0">
+                <a:solidFill>
+                  <a:srgbClr val="000000"/>
+                </a:solidFill>
+                <a:cs typeface="Arial" panose="020B0604020202020204" pitchFamily="34" charset="0"/>
+              </a:rPr>
+              <a:t>changes to the data on the </a:t>
+            </a:r>
+            <a:r>
+              <a:rPr lang="en-US" altLang="en-US" sz="3500" b="0" dirty="0" smtClean="0">
+                <a:solidFill>
+                  <a:srgbClr val="000000"/>
+                </a:solidFill>
+                <a:cs typeface="Arial" panose="020B0604020202020204" pitchFamily="34" charset="0"/>
+              </a:rPr>
+              <a:t>map</a:t>
+            </a:r>
+          </a:p>
+          <a:p>
+            <a:pPr marL="457200" indent="-457200" eaLnBrk="1" hangingPunct="1">
+              <a:lnSpc>
+                <a:spcPts val="4700"/>
+              </a:lnSpc>
+              <a:buFont typeface="Arial" panose="020B0604020202020204" pitchFamily="34" charset="0"/>
+              <a:buChar char="•"/>
+            </a:pPr>
+            <a:r>
+              <a:rPr lang="en-US" altLang="en-US" sz="3500" b="0" dirty="0" smtClean="0">
+                <a:solidFill>
+                  <a:srgbClr val="000000"/>
+                </a:solidFill>
+                <a:cs typeface="Arial" panose="020B0604020202020204" pitchFamily="34" charset="0"/>
+              </a:rPr>
+              <a:t>By </a:t>
+            </a:r>
+            <a:r>
+              <a:rPr lang="en-US" altLang="en-US" sz="3500" b="0" dirty="0">
+                <a:solidFill>
+                  <a:srgbClr val="000000"/>
+                </a:solidFill>
+                <a:cs typeface="Arial" panose="020B0604020202020204" pitchFamily="34" charset="0"/>
+              </a:rPr>
+              <a:t>running on data of various sizes and simulating at various speeds, a student can gain an understanding more quickly and more </a:t>
+            </a:r>
+            <a:r>
+              <a:rPr lang="en-US" altLang="en-US" sz="3500" b="0" dirty="0" smtClean="0">
+                <a:solidFill>
+                  <a:srgbClr val="000000"/>
+                </a:solidFill>
+                <a:cs typeface="Arial" panose="020B0604020202020204" pitchFamily="34" charset="0"/>
+              </a:rPr>
+              <a:t>deeply</a:t>
+            </a:r>
+            <a:endParaRPr lang="en-US" altLang="en-US" sz="3500" b="0" dirty="0">
               <a:solidFill>
                 <a:srgbClr val="000000"/>
               </a:solidFill>
-              <a:latin typeface="+mj-lt"/>
-            </a:endParaRPr>
-          </a:p>
-          <a:p>
-            <a:pPr eaLnBrk="1" hangingPunct="1"/>
-            <a:r>
-              <a:rPr lang="en-US" sz="3600" b="0" dirty="0">
-                <a:solidFill>
-                  <a:srgbClr val="000000"/>
-                </a:solidFill>
-                <a:latin typeface="+mj-lt"/>
-              </a:rPr>
-              <a:t>Map-based Educational Tools for Algorithm Learning (METAL) is an ongoing project that aims to provide data based on real-world highway systems and interactive visualization capabilities to view that data in map and tabular form.   METAL's Algorithm visualization (AV) system allows a student to watch one of several algorithms in action on highway data, following changes in key variables and data structures with corresponding color-coded changes to the data on the map.  By running on data of various sizes and simulating at various speeds, a student can gain an understanding more quickly and more deeply.</a:t>
-            </a:r>
-            <a:endParaRPr lang="en-US" altLang="en-US" sz="3600" b="0" dirty="0">
-              <a:latin typeface="+mj-lt"/>
+              <a:cs typeface="Arial" panose="020B0604020202020204" pitchFamily="34" charset="0"/>
             </a:endParaRPr>
           </a:p>
         </p:txBody>
@@ -7008,8 +6592,8 @@
         </p:nvSpPr>
         <p:spPr bwMode="auto">
           <a:xfrm>
-            <a:off x="1439349" y="16703033"/>
-            <a:ext cx="10586625" cy="2862322"/>
+            <a:off x="1460948" y="16492593"/>
+            <a:ext cx="10586625" cy="2542690"/>
           </a:xfrm>
           <a:prstGeom prst="roundRect">
             <a:avLst>
@@ -7051,8 +6635,8 @@
               <a:solidFill>
                 <a:srgbClr val="00863D"/>
               </a:solidFill>
-              <a:latin typeface="Arial" charset="0"/>
               <a:ea typeface="Geneva" charset="0"/>
+              <a:cs typeface="Arial" panose="020B0604020202020204" pitchFamily="34" charset="0"/>
             </a:endParaRPr>
           </a:p>
           <a:p>
@@ -7063,8 +6647,8 @@
               <a:solidFill>
                 <a:srgbClr val="00863D"/>
               </a:solidFill>
-              <a:latin typeface="Arial" charset="0"/>
               <a:ea typeface="Geneva" charset="0"/>
+              <a:cs typeface="Arial" panose="020B0604020202020204" pitchFamily="34" charset="0"/>
             </a:endParaRPr>
           </a:p>
           <a:p>
@@ -7075,8 +6659,8 @@
               <a:solidFill>
                 <a:srgbClr val="00863D"/>
               </a:solidFill>
-              <a:latin typeface="Arial" charset="0"/>
               <a:ea typeface="Geneva" charset="0"/>
+              <a:cs typeface="Arial" panose="020B0604020202020204" pitchFamily="34" charset="0"/>
             </a:endParaRPr>
           </a:p>
         </p:txBody>
@@ -7097,8 +6681,8 @@
         </p:nvSpPr>
         <p:spPr bwMode="auto">
           <a:xfrm>
-            <a:off x="1560871" y="16957466"/>
-            <a:ext cx="10397782" cy="1754326"/>
+            <a:off x="1582470" y="16529588"/>
+            <a:ext cx="10397782" cy="2492990"/>
           </a:xfrm>
           <a:prstGeom prst="rect">
             <a:avLst/>
@@ -7239,21 +6823,36 @@
             </a:lvl9pPr>
           </a:lstStyle>
           <a:p>
-            <a:pPr eaLnBrk="1" hangingPunct="1"/>
+            <a:pPr marL="571500" indent="-571500" eaLnBrk="1" hangingPunct="1">
+              <a:lnSpc>
+                <a:spcPts val="4800"/>
+              </a:lnSpc>
+              <a:buFont typeface="Arial" panose="020B0604020202020204" pitchFamily="34" charset="0"/>
+              <a:buChar char="•"/>
+            </a:pPr>
             <a:r>
               <a:rPr lang="en-US" altLang="en-US" sz="3600" b="0" dirty="0">
                 <a:solidFill>
                   <a:srgbClr val="000000"/>
                 </a:solidFill>
-                <a:latin typeface="+mj-lt"/>
+                <a:cs typeface="Arial" panose="020B0604020202020204" pitchFamily="34" charset="0"/>
               </a:rPr>
               <a:t>Our Summer 2019 work on METAL focused on enhancing its </a:t>
+            </a:r>
+            <a:r>
+              <a:rPr lang="en-US" altLang="en-US" sz="3600" b="0" dirty="0" smtClean="0">
+                <a:solidFill>
+                  <a:srgbClr val="000000"/>
+                </a:solidFill>
+                <a:cs typeface="Arial" panose="020B0604020202020204" pitchFamily="34" charset="0"/>
+              </a:rPr>
+              <a:t>ability to represent recursion and debugger-like features.</a:t>
             </a:r>
             <a:endParaRPr lang="en-US" altLang="en-US" sz="3600" dirty="0">
               <a:solidFill>
                 <a:schemeClr val="tx1"/>
               </a:solidFill>
-              <a:latin typeface="+mj-lt"/>
+              <a:cs typeface="Arial" panose="020B0604020202020204" pitchFamily="34" charset="0"/>
             </a:endParaRPr>
           </a:p>
           <a:p>
@@ -7261,6 +6860,7 @@
               <a:solidFill>
                 <a:schemeClr val="tx1"/>
               </a:solidFill>
+              <a:cs typeface="Arial" panose="020B0604020202020204" pitchFamily="34" charset="0"/>
             </a:endParaRPr>
           </a:p>
         </p:txBody>
@@ -7279,7 +6879,7 @@
         </p:nvSpPr>
         <p:spPr>
           <a:xfrm>
-            <a:off x="31714091" y="23245646"/>
+            <a:off x="31060474" y="23627071"/>
             <a:ext cx="9767555" cy="830997"/>
           </a:xfrm>
           <a:prstGeom prst="rect">
@@ -7298,6 +6898,7 @@
                 <a:solidFill>
                   <a:srgbClr val="00863D"/>
                 </a:solidFill>
+                <a:cs typeface="Arial" panose="020B0604020202020204" pitchFamily="34" charset="0"/>
               </a:rPr>
               <a:t>Acknowledgements</a:t>
             </a:r>
@@ -7318,8 +6919,8 @@
         </p:nvSpPr>
         <p:spPr>
           <a:xfrm>
-            <a:off x="31881988" y="24468164"/>
-            <a:ext cx="10531914" cy="6740307"/>
+            <a:off x="30384971" y="24460200"/>
+            <a:ext cx="9696229" cy="7094250"/>
           </a:xfrm>
           <a:prstGeom prst="rect">
             <a:avLst/>
@@ -7332,170 +6933,292 @@
           </a:bodyPr>
           <a:lstStyle/>
           <a:p>
-            <a:pPr>
+            <a:pPr marL="457200" indent="-457200">
+              <a:lnSpc>
+                <a:spcPts val="4100"/>
+              </a:lnSpc>
               <a:spcBef>
                 <a:spcPts val="0"/>
               </a:spcBef>
               <a:spcAft>
                 <a:spcPts val="0"/>
               </a:spcAft>
+              <a:buFont typeface="Arial" panose="020B0604020202020204" pitchFamily="34" charset="0"/>
+              <a:buChar char="•"/>
             </a:pPr>
             <a:r>
-              <a:rPr lang="en-US" sz="3600" b="0" dirty="0">
+              <a:rPr lang="en-US" sz="3500" b="0" dirty="0">
                 <a:solidFill>
                   <a:srgbClr val="000000"/>
                 </a:solidFill>
-                <a:latin typeface="+mj-lt"/>
+                <a:cs typeface="Arial" panose="020B0604020202020204" pitchFamily="34" charset="0"/>
               </a:rPr>
-              <a:t>The Summer Scholars 2019</a:t>
-            </a:r>
-          </a:p>
-          <a:p>
-            <a:pPr>
+              <a:t>The Summer Scholars </a:t>
+            </a:r>
+            <a:r>
+              <a:rPr lang="en-US" sz="3500" b="0" dirty="0" smtClean="0">
+                <a:solidFill>
+                  <a:srgbClr val="000000"/>
+                </a:solidFill>
+                <a:cs typeface="Arial" panose="020B0604020202020204" pitchFamily="34" charset="0"/>
+              </a:rPr>
+              <a:t>2019 project </a:t>
+            </a:r>
+            <a:r>
+              <a:rPr lang="en-US" sz="3500" b="0" dirty="0">
+                <a:solidFill>
+                  <a:srgbClr val="000000"/>
+                </a:solidFill>
+                <a:cs typeface="Arial" panose="020B0604020202020204" pitchFamily="34" charset="0"/>
+              </a:rPr>
+              <a:t>was funded by the Center </a:t>
+            </a:r>
+            <a:r>
+              <a:rPr lang="en-US" sz="3500" b="0" dirty="0" smtClean="0">
+                <a:solidFill>
+                  <a:srgbClr val="000000"/>
+                </a:solidFill>
+                <a:cs typeface="Arial" panose="020B0604020202020204" pitchFamily="34" charset="0"/>
+              </a:rPr>
+              <a:t>for </a:t>
+            </a:r>
+            <a:r>
+              <a:rPr lang="en-US" sz="3500" b="0" dirty="0">
+                <a:solidFill>
+                  <a:srgbClr val="000000"/>
+                </a:solidFill>
+                <a:cs typeface="Arial" panose="020B0604020202020204" pitchFamily="34" charset="0"/>
+              </a:rPr>
+              <a:t>Undergraduate Research and </a:t>
+            </a:r>
+            <a:r>
+              <a:rPr lang="en-US" sz="3500" b="0" dirty="0" smtClean="0">
+                <a:solidFill>
+                  <a:srgbClr val="000000"/>
+                </a:solidFill>
+                <a:cs typeface="Arial" panose="020B0604020202020204" pitchFamily="34" charset="0"/>
+              </a:rPr>
+              <a:t>Creative </a:t>
+            </a:r>
+            <a:r>
+              <a:rPr lang="en-US" sz="3500" b="0" dirty="0">
+                <a:solidFill>
+                  <a:srgbClr val="000000"/>
+                </a:solidFill>
+                <a:cs typeface="Arial" panose="020B0604020202020204" pitchFamily="34" charset="0"/>
+              </a:rPr>
+              <a:t>Activities (CURCA) at </a:t>
+            </a:r>
+            <a:r>
+              <a:rPr lang="en-US" sz="3500" b="0" dirty="0" smtClean="0">
+                <a:solidFill>
+                  <a:srgbClr val="000000"/>
+                </a:solidFill>
+                <a:cs typeface="Arial" panose="020B0604020202020204" pitchFamily="34" charset="0"/>
+              </a:rPr>
+              <a:t>Siena </a:t>
+            </a:r>
+            <a:r>
+              <a:rPr lang="en-US" sz="3500" b="0" dirty="0">
+                <a:solidFill>
+                  <a:srgbClr val="000000"/>
+                </a:solidFill>
+                <a:cs typeface="Arial" panose="020B0604020202020204" pitchFamily="34" charset="0"/>
+              </a:rPr>
+              <a:t>College. </a:t>
+            </a:r>
+            <a:endParaRPr lang="en-US" sz="3500" b="0" dirty="0" smtClean="0">
+              <a:solidFill>
+                <a:srgbClr val="000000"/>
+              </a:solidFill>
+              <a:cs typeface="Arial" panose="020B0604020202020204" pitchFamily="34" charset="0"/>
+            </a:endParaRPr>
+          </a:p>
+          <a:p>
+            <a:pPr marL="457200" indent="-457200">
+              <a:lnSpc>
+                <a:spcPts val="4100"/>
+              </a:lnSpc>
               <a:spcBef>
                 <a:spcPts val="0"/>
               </a:spcBef>
               <a:spcAft>
                 <a:spcPts val="0"/>
               </a:spcAft>
+              <a:buFont typeface="Arial" panose="020B0604020202020204" pitchFamily="34" charset="0"/>
+              <a:buChar char="•"/>
             </a:pPr>
             <a:r>
-              <a:rPr lang="en-US" sz="3600" b="0" dirty="0">
+              <a:rPr lang="en-US" sz="3500" b="0" dirty="0" smtClean="0">
                 <a:solidFill>
                   <a:srgbClr val="000000"/>
                 </a:solidFill>
-                <a:latin typeface="+mj-lt"/>
+                <a:cs typeface="Arial" panose="020B0604020202020204" pitchFamily="34" charset="0"/>
               </a:rPr>
-              <a:t> project was funded by the Center </a:t>
-            </a:r>
-          </a:p>
-          <a:p>
-            <a:pPr>
+              <a:t>METAL's </a:t>
+            </a:r>
+            <a:r>
+              <a:rPr lang="en-US" sz="3500" b="0" dirty="0">
+                <a:solidFill>
+                  <a:srgbClr val="000000"/>
+                </a:solidFill>
+                <a:cs typeface="Arial" panose="020B0604020202020204" pitchFamily="34" charset="0"/>
+              </a:rPr>
+              <a:t>web </a:t>
+            </a:r>
+            <a:r>
+              <a:rPr lang="en-US" sz="3500" b="0" dirty="0" smtClean="0">
+                <a:solidFill>
+                  <a:srgbClr val="000000"/>
+                </a:solidFill>
+                <a:cs typeface="Arial" panose="020B0604020202020204" pitchFamily="34" charset="0"/>
+              </a:rPr>
+              <a:t>site includes highway data </a:t>
+            </a:r>
+            <a:r>
+              <a:rPr lang="en-US" sz="3500" b="0" dirty="0">
+                <a:solidFill>
+                  <a:srgbClr val="000000"/>
+                </a:solidFill>
+                <a:cs typeface="Arial" panose="020B0604020202020204" pitchFamily="34" charset="0"/>
+              </a:rPr>
+              <a:t>and AV capabilities in the Highway Data Examiner</a:t>
+            </a:r>
+            <a:r>
+              <a:rPr lang="en-US" sz="3500" b="0" dirty="0" smtClean="0">
+                <a:solidFill>
+                  <a:srgbClr val="000000"/>
+                </a:solidFill>
+                <a:cs typeface="Arial" panose="020B0604020202020204" pitchFamily="34" charset="0"/>
+              </a:rPr>
+              <a:t>. </a:t>
+            </a:r>
+          </a:p>
+          <a:p>
+            <a:pPr marL="457200" indent="-457200">
+              <a:lnSpc>
+                <a:spcPts val="4100"/>
+              </a:lnSpc>
               <a:spcBef>
                 <a:spcPts val="0"/>
               </a:spcBef>
               <a:spcAft>
                 <a:spcPts val="0"/>
               </a:spcAft>
+              <a:buFont typeface="Arial" panose="020B0604020202020204" pitchFamily="34" charset="0"/>
+              <a:buChar char="•"/>
             </a:pPr>
             <a:r>
-              <a:rPr lang="en-US" sz="3600" b="0" dirty="0">
+              <a:rPr lang="en-US" sz="3500" b="0" dirty="0" smtClean="0">
                 <a:solidFill>
                   <a:srgbClr val="000000"/>
                 </a:solidFill>
-                <a:latin typeface="+mj-lt"/>
+                <a:cs typeface="Arial" panose="020B0604020202020204" pitchFamily="34" charset="0"/>
               </a:rPr>
-              <a:t>for Undergraduate Research and </a:t>
-            </a:r>
-          </a:p>
-          <a:p>
-            <a:pPr>
+              <a:t>Further </a:t>
+            </a:r>
+            <a:r>
+              <a:rPr lang="en-US" sz="3500" b="0" dirty="0">
+                <a:solidFill>
+                  <a:srgbClr val="000000"/>
+                </a:solidFill>
+                <a:cs typeface="Arial" panose="020B0604020202020204" pitchFamily="34" charset="0"/>
+              </a:rPr>
+              <a:t>details about METAL and its use as a pedagogical tool can be found on the web site and in the </a:t>
+            </a:r>
+            <a:r>
+              <a:rPr lang="en-US" sz="3500" b="0" dirty="0" smtClean="0">
+                <a:solidFill>
+                  <a:srgbClr val="000000"/>
+                </a:solidFill>
+                <a:cs typeface="Arial" panose="020B0604020202020204" pitchFamily="34" charset="0"/>
+              </a:rPr>
+              <a:t>publications </a:t>
+            </a:r>
+            <a:r>
+              <a:rPr lang="en-US" sz="3500" b="0" dirty="0">
+                <a:solidFill>
+                  <a:srgbClr val="000000"/>
+                </a:solidFill>
+                <a:cs typeface="Arial" panose="020B0604020202020204" pitchFamily="34" charset="0"/>
+              </a:rPr>
+              <a:t>listed </a:t>
+            </a:r>
+            <a:r>
+              <a:rPr lang="en-US" sz="3500" b="0" dirty="0" smtClean="0">
+                <a:solidFill>
+                  <a:srgbClr val="000000"/>
+                </a:solidFill>
+                <a:cs typeface="Arial" panose="020B0604020202020204" pitchFamily="34" charset="0"/>
+              </a:rPr>
+              <a:t>there. </a:t>
+            </a:r>
+          </a:p>
+          <a:p>
+            <a:pPr marL="457200" indent="-457200">
+              <a:lnSpc>
+                <a:spcPts val="4100"/>
+              </a:lnSpc>
               <a:spcBef>
                 <a:spcPts val="0"/>
               </a:spcBef>
               <a:spcAft>
                 <a:spcPts val="0"/>
               </a:spcAft>
+              <a:buFont typeface="Arial" panose="020B0604020202020204" pitchFamily="34" charset="0"/>
+              <a:buChar char="•"/>
             </a:pPr>
             <a:r>
-              <a:rPr lang="en-US" sz="3600" b="0" dirty="0">
+              <a:rPr lang="en-US" sz="3500" b="0" dirty="0" smtClean="0">
                 <a:solidFill>
                   <a:srgbClr val="000000"/>
                 </a:solidFill>
-                <a:latin typeface="+mj-lt"/>
+                <a:cs typeface="Arial" panose="020B0604020202020204" pitchFamily="34" charset="0"/>
               </a:rPr>
-              <a:t>Creative Activities (CURCA) at </a:t>
-            </a:r>
-          </a:p>
-          <a:p>
-            <a:pPr>
-              <a:spcBef>
-                <a:spcPts val="0"/>
-              </a:spcBef>
-              <a:spcAft>
-                <a:spcPts val="0"/>
-              </a:spcAft>
-            </a:pPr>
-            <a:r>
-              <a:rPr lang="en-US" sz="3600" b="0" dirty="0">
+              <a:t>METAL's </a:t>
+            </a:r>
+            <a:r>
+              <a:rPr lang="en-US" sz="3500" b="0" dirty="0">
                 <a:solidFill>
                   <a:srgbClr val="000000"/>
                 </a:solidFill>
-                <a:latin typeface="+mj-lt"/>
+                <a:cs typeface="Arial" panose="020B0604020202020204" pitchFamily="34" charset="0"/>
               </a:rPr>
-              <a:t>Siena College. METAL's web site</a:t>
-            </a:r>
-            <a:r>
-              <a:rPr lang="en-US" sz="3600" b="0" u="sng" dirty="0">
-                <a:solidFill>
-                  <a:srgbClr val="1155CC"/>
-                </a:solidFill>
-                <a:latin typeface="+mj-lt"/>
+              <a:t>highway data is derived from </a:t>
+            </a:r>
+            <a:r>
+              <a:rPr lang="en-US" sz="3500" b="0" dirty="0" smtClean="0">
+                <a:solidFill>
+                  <a:srgbClr val="000000"/>
+                </a:solidFill>
+                <a:cs typeface="Arial" panose="020B0604020202020204" pitchFamily="34" charset="0"/>
               </a:rPr>
-              <a:t> </a:t>
-            </a:r>
-            <a:r>
-              <a:rPr lang="en-US" sz="3600" b="0" u="sng" dirty="0">
-                <a:solidFill>
-                  <a:srgbClr val="1155CC"/>
-                </a:solidFill>
-                <a:latin typeface="+mj-lt"/>
-                <a:hlinkClick r:id="rId3">
-                  <a:extLst>
-                    <a:ext uri="{A12FA001-AC4F-418D-AE19-62706E023703}">
-                      <ahyp:hlinkClr xmlns:ahyp="http://schemas.microsoft.com/office/drawing/2018/hyperlinkcolor" val="tx"/>
-                    </a:ext>
-                  </a:extLst>
-                </a:hlinkClick>
+              <a:t>       the </a:t>
+            </a:r>
+            <a:r>
+              <a:rPr lang="en-US" sz="3500" b="0" dirty="0">
+                <a:solidFill>
+                  <a:srgbClr val="000000"/>
+                </a:solidFill>
+                <a:cs typeface="Arial" panose="020B0604020202020204" pitchFamily="34" charset="0"/>
               </a:rPr>
-              <a:t>http://courses.teresco.org/metal/</a:t>
-            </a:r>
-            <a:r>
-              <a:rPr lang="en-US" sz="3600" b="0" dirty="0">
-                <a:solidFill>
-                  <a:srgbClr val="000000"/>
-                </a:solidFill>
-                <a:latin typeface="+mj-lt"/>
-              </a:rPr>
-              <a:t>  includes highway   data and AV capabilities in the Highway Data Examiner. Further details about METAL and its use as a pedagogical tool can be found on the web site and in the publications listed there.</a:t>
-            </a:r>
-            <a:endParaRPr lang="en-US" sz="3600" b="0" dirty="0">
-              <a:latin typeface="+mj-lt"/>
-            </a:endParaRPr>
-          </a:p>
-          <a:p>
-            <a:pPr>
-              <a:spcBef>
-                <a:spcPts val="0"/>
-              </a:spcBef>
-              <a:spcAft>
-                <a:spcPts val="0"/>
-              </a:spcAft>
-            </a:pPr>
-            <a:r>
-              <a:rPr lang="en-US" sz="3600" b="0" dirty="0">
-                <a:solidFill>
-                  <a:srgbClr val="000000"/>
-                </a:solidFill>
-                <a:latin typeface="+mj-lt"/>
-              </a:rPr>
-              <a:t>METAL's highway data is derived from the Travel Mapping Project (http://travelmapping.net).</a:t>
-            </a:r>
-            <a:endParaRPr lang="en-US" sz="3600" b="0" dirty="0">
+              <a:t>Travel Mapping Project (http://travelmapping.net).</a:t>
+            </a:r>
+            <a:endParaRPr lang="en-US" sz="3500" b="0" dirty="0">
               <a:solidFill>
                 <a:schemeClr val="tx1"/>
               </a:solidFill>
-              <a:latin typeface="+mj-lt"/>
+              <a:cs typeface="Arial" panose="020B0604020202020204" pitchFamily="34" charset="0"/>
             </a:endParaRPr>
           </a:p>
         </p:txBody>
       </p:sp>
       <p:sp>
         <p:nvSpPr>
-          <p:cNvPr id="40" name="Rectangle 232">
+          <p:cNvPr id="44" name="Rectangle 232">
             <a:extLst>
               <a:ext uri="{FF2B5EF4-FFF2-40B4-BE49-F238E27FC236}">
-                <a16:creationId xmlns:a16="http://schemas.microsoft.com/office/drawing/2014/main" id="{299C1438-5B0B-4AEB-91DD-F81408F57AE6}"/>
+                <a16:creationId xmlns:a16="http://schemas.microsoft.com/office/drawing/2014/main" id="{4986C5F8-7477-4EAF-853F-6557EAC880E3}"/>
               </a:ext>
             </a:extLst>
           </p:cNvPr>
@@ -7506,8 +7229,8 @@
         </p:nvSpPr>
         <p:spPr bwMode="auto">
           <a:xfrm>
-            <a:off x="31565078" y="6567918"/>
-            <a:ext cx="10848824" cy="3007462"/>
+            <a:off x="1340868" y="20431161"/>
+            <a:ext cx="28369518" cy="10955027"/>
           </a:xfrm>
           <a:prstGeom prst="roundRect">
             <a:avLst>
@@ -7545,77 +7268,12 @@
             <a:pPr defTabSz="920750" eaLnBrk="0" hangingPunct="0">
               <a:defRPr/>
             </a:pPr>
-            <a:endParaRPr lang="en-US" sz="7300" dirty="0">
-              <a:solidFill>
-                <a:srgbClr val="00863D"/>
-              </a:solidFill>
-              <a:latin typeface="Arial" charset="0"/>
-              <a:ea typeface="Geneva" charset="0"/>
-            </a:endParaRPr>
-          </a:p>
-        </p:txBody>
-      </p:sp>
-      <p:sp>
-        <p:nvSpPr>
-          <p:cNvPr id="44" name="Rectangle 232">
-            <a:extLst>
-              <a:ext uri="{FF2B5EF4-FFF2-40B4-BE49-F238E27FC236}">
-                <a16:creationId xmlns:a16="http://schemas.microsoft.com/office/drawing/2014/main" id="{4986C5F8-7477-4EAF-853F-6557EAC880E3}"/>
-              </a:ext>
-            </a:extLst>
-          </p:cNvPr>
-          <p:cNvSpPr>
-            <a:spLocks noChangeArrowheads="1"/>
-          </p:cNvSpPr>
-          <p:nvPr/>
-        </p:nvSpPr>
-        <p:spPr bwMode="auto">
-          <a:xfrm>
-            <a:off x="1434002" y="27432363"/>
-            <a:ext cx="10591800" cy="3842182"/>
-          </a:xfrm>
-          <a:prstGeom prst="roundRect">
-            <a:avLst>
-              <a:gd name="adj" fmla="val 4902"/>
-            </a:avLst>
-          </a:prstGeom>
-          <a:solidFill>
-            <a:schemeClr val="bg1"/>
-          </a:solidFill>
-          <a:ln w="9525">
-            <a:noFill/>
-            <a:miter lim="800000"/>
-            <a:headEnd/>
-            <a:tailEnd/>
-          </a:ln>
-          <a:effectLst>
-            <a:outerShdw blurRad="498475" dir="2700000" sx="101000" sy="101000" algn="tl" rotWithShape="0">
-              <a:srgbClr val="000000">
-                <a:alpha val="43000"/>
-              </a:srgbClr>
-            </a:outerShdw>
-          </a:effectLst>
-          <a:scene3d>
-            <a:camera prst="orthographicFront"/>
-            <a:lightRig rig="threePt" dir="t"/>
-          </a:scene3d>
-          <a:sp3d>
-            <a:bevelT w="0"/>
-          </a:sp3d>
-        </p:spPr>
-        <p:txBody>
-          <a:bodyPr wrap="none" lIns="92195" tIns="46098" rIns="92195" bIns="46098" anchor="ctr"/>
-          <a:lstStyle/>
-          <a:p>
-            <a:pPr defTabSz="920750" eaLnBrk="0" hangingPunct="0">
-              <a:defRPr/>
-            </a:pPr>
             <a:endParaRPr lang="en-US" sz="3600" dirty="0">
               <a:solidFill>
                 <a:srgbClr val="00863D"/>
               </a:solidFill>
-              <a:latin typeface="+mj-lt"/>
               <a:ea typeface="Geneva" charset="0"/>
+              <a:cs typeface="Arial" panose="020B0604020202020204" pitchFamily="34" charset="0"/>
             </a:endParaRPr>
           </a:p>
         </p:txBody>
@@ -7636,7 +7294,7 @@
         </p:nvSpPr>
         <p:spPr bwMode="auto">
           <a:xfrm>
-            <a:off x="1434175" y="26335062"/>
+            <a:off x="1520482" y="19299781"/>
             <a:ext cx="10591800" cy="1384995"/>
           </a:xfrm>
           <a:prstGeom prst="rect">
@@ -7779,13 +7437,20 @@
           </a:lstStyle>
           <a:p>
             <a:r>
-              <a:rPr lang="en-US" altLang="en-US" sz="4800" dirty="0">
+              <a:rPr lang="en-US" altLang="en-US" sz="4800" dirty="0" smtClean="0">
                 <a:solidFill>
                   <a:srgbClr val="00863D"/>
                 </a:solidFill>
+                <a:cs typeface="Arial" panose="020B0604020202020204" pitchFamily="34" charset="0"/>
               </a:rPr>
-              <a:t>Change #1</a:t>
-            </a:r>
+              <a:t>Recursion</a:t>
+            </a:r>
+            <a:endParaRPr lang="en-US" altLang="en-US" sz="4800" dirty="0">
+              <a:solidFill>
+                <a:srgbClr val="00863D"/>
+              </a:solidFill>
+              <a:cs typeface="Arial" panose="020B0604020202020204" pitchFamily="34" charset="0"/>
+            </a:endParaRPr>
           </a:p>
           <a:p>
             <a:endParaRPr lang="en-US" altLang="en-US" sz="3600" i="1" dirty="0">
@@ -7799,105 +7464,28 @@
       </p:sp>
       <p:pic>
         <p:nvPicPr>
-          <p:cNvPr id="9" name="Picture 8">
-            <a:extLst>
-              <a:ext uri="{FF2B5EF4-FFF2-40B4-BE49-F238E27FC236}">
-                <a16:creationId xmlns:a16="http://schemas.microsoft.com/office/drawing/2014/main" id="{100DF0AB-40F8-4B92-851A-CE49068A0E1A}"/>
-              </a:ext>
-            </a:extLst>
-          </p:cNvPr>
+          <p:cNvPr id="4" name="Picture 3"/>
           <p:cNvPicPr>
             <a:picLocks noChangeAspect="1"/>
           </p:cNvPicPr>
           <p:nvPr/>
         </p:nvPicPr>
         <p:blipFill>
-          <a:blip r:embed="rId4">
-            <a:extLst>
-              <a:ext uri="{28A0092B-C50C-407E-A947-70E740481C1C}">
-                <a14:useLocalDpi xmlns:a14="http://schemas.microsoft.com/office/drawing/2010/main" val="0"/>
-              </a:ext>
-            </a:extLst>
-          </a:blip>
+          <a:blip r:embed="rId4"/>
           <a:stretch>
             <a:fillRect/>
           </a:stretch>
         </p:blipFill>
         <p:spPr>
           <a:xfrm>
-            <a:off x="38156486" y="24225599"/>
-            <a:ext cx="4145941" cy="2841782"/>
+            <a:off x="40099735" y="24994925"/>
+            <a:ext cx="2362200" cy="2378053"/>
           </a:xfrm>
           <a:prstGeom prst="rect">
             <a:avLst/>
           </a:prstGeom>
         </p:spPr>
       </p:pic>
-      <p:sp>
-        <p:nvSpPr>
-          <p:cNvPr id="55" name="Rectangle 232">
-            <a:extLst>
-              <a:ext uri="{FF2B5EF4-FFF2-40B4-BE49-F238E27FC236}">
-                <a16:creationId xmlns:a16="http://schemas.microsoft.com/office/drawing/2014/main" id="{4765DBA6-8FA7-4FDC-8D0A-371478987F37}"/>
-              </a:ext>
-            </a:extLst>
-          </p:cNvPr>
-          <p:cNvSpPr>
-            <a:spLocks noChangeArrowheads="1"/>
-          </p:cNvSpPr>
-          <p:nvPr/>
-        </p:nvSpPr>
-        <p:spPr bwMode="auto">
-          <a:xfrm>
-            <a:off x="31544275" y="14590385"/>
-            <a:ext cx="10848824" cy="2394475"/>
-          </a:xfrm>
-          <a:prstGeom prst="roundRect">
-            <a:avLst>
-              <a:gd name="adj" fmla="val 4902"/>
-            </a:avLst>
-          </a:prstGeom>
-          <a:solidFill>
-            <a:schemeClr val="bg1"/>
-          </a:solidFill>
-          <a:ln w="9525">
-            <a:noFill/>
-            <a:miter lim="800000"/>
-            <a:headEnd/>
-            <a:tailEnd/>
-          </a:ln>
-          <a:effectLst>
-            <a:outerShdw blurRad="498475" dir="2700000" sx="101000" sy="101000" algn="tl" rotWithShape="0">
-              <a:srgbClr val="000000">
-                <a:alpha val="43000"/>
-              </a:srgbClr>
-            </a:outerShdw>
-          </a:effectLst>
-          <a:scene3d>
-            <a:camera prst="orthographicFront"/>
-            <a:lightRig rig="threePt" dir="t"/>
-          </a:scene3d>
-          <a:sp3d>
-            <a:bevelT w="0"/>
-          </a:sp3d>
-        </p:spPr>
-        <p:txBody>
-          <a:bodyPr wrap="none" lIns="92195" tIns="46098" rIns="92195" bIns="46098" anchor="ctr"/>
-          <a:lstStyle/>
-          <a:p>
-            <a:pPr defTabSz="920750" eaLnBrk="0" hangingPunct="0">
-              <a:defRPr/>
-            </a:pPr>
-            <a:endParaRPr lang="en-US" sz="7300" dirty="0">
-              <a:solidFill>
-                <a:srgbClr val="00863D"/>
-              </a:solidFill>
-              <a:latin typeface="Arial" charset="0"/>
-              <a:ea typeface="Geneva" charset="0"/>
-            </a:endParaRPr>
-          </a:p>
-        </p:txBody>
-      </p:sp>
     </p:spTree>
   </p:cSld>
   <p:clrMapOvr>
